--- a/High School/Design and Drawing for Production/Unit 10 - Puzzle Cube Design Challenge/Section 1 - The Puzzle Cube Design Challenge/Assets/Unit10S1 - Puzzle Cube Design Challenge.pptx
+++ b/High School/Design and Drawing for Production/Unit 10 - Puzzle Cube Design Challenge/Section 1 - The Puzzle Cube Design Challenge/Assets/Unit10S1 - Puzzle Cube Design Challenge.pptx
@@ -5,16 +5,19 @@
     <p:sldMasterId id="2147483648" r:id="rId1"/>
   </p:sldMasterIdLst>
   <p:notesMasterIdLst>
-    <p:notesMasterId r:id="rId6"/>
+    <p:notesMasterId r:id="rId9"/>
   </p:notesMasterIdLst>
   <p:handoutMasterIdLst>
-    <p:handoutMasterId r:id="rId7"/>
+    <p:handoutMasterId r:id="rId10"/>
   </p:handoutMasterIdLst>
   <p:sldIdLst>
     <p:sldId id="268" r:id="rId2"/>
     <p:sldId id="269" r:id="rId3"/>
     <p:sldId id="271" r:id="rId4"/>
     <p:sldId id="272" r:id="rId5"/>
+    <p:sldId id="273" r:id="rId6"/>
+    <p:sldId id="274" r:id="rId7"/>
+    <p:sldId id="275" r:id="rId8"/>
   </p:sldIdLst>
   <p:sldSz cx="12192000" cy="6858000"/>
   <p:notesSz cx="6858000" cy="9144000"/>
@@ -4331,6 +4334,481 @@
     <p:extLst>
       <p:ext uri="{BB962C8B-B14F-4D97-AF65-F5344CB8AC3E}">
         <p14:creationId xmlns:p14="http://schemas.microsoft.com/office/powerpoint/2010/main" val="1645033752"/>
+      </p:ext>
+    </p:extLst>
+  </p:cSld>
+  <p:clrMapOvr>
+    <a:masterClrMapping/>
+  </p:clrMapOvr>
+  <mc:AlternateContent xmlns:mc="http://schemas.openxmlformats.org/markup-compatibility/2006" xmlns:p14="http://schemas.microsoft.com/office/powerpoint/2010/main">
+    <mc:Choice Requires="p14">
+      <p:transition spd="med" p14:dur="700">
+        <p:fade/>
+      </p:transition>
+    </mc:Choice>
+    <mc:Fallback xmlns="">
+      <p:transition spd="med">
+        <p:fade/>
+      </p:transition>
+    </mc:Fallback>
+  </mc:AlternateContent>
+</p:sld>
+</file>
+
+<file path=ppt/slides/slide5.xml><?xml version="1.0" encoding="utf-8"?>
+<p:sld xmlns:a="http://schemas.openxmlformats.org/drawingml/2006/main" xmlns:r="http://schemas.openxmlformats.org/officeDocument/2006/relationships" xmlns:p="http://schemas.openxmlformats.org/presentationml/2006/main">
+  <p:cSld>
+    <p:spTree>
+      <p:nvGrpSpPr>
+        <p:cNvPr id="1" name=""/>
+        <p:cNvGrpSpPr/>
+        <p:nvPr/>
+      </p:nvGrpSpPr>
+      <p:grpSpPr>
+        <a:xfrm>
+          <a:off x="0" y="0"/>
+          <a:ext cx="0" cy="0"/>
+          <a:chOff x="0" y="0"/>
+          <a:chExt cx="0" cy="0"/>
+        </a:xfrm>
+      </p:grpSpPr>
+      <p:sp>
+        <p:nvSpPr>
+          <p:cNvPr id="2" name="Title 1">
+            <a:extLst>
+              <a:ext uri="{FF2B5EF4-FFF2-40B4-BE49-F238E27FC236}">
+                <a16:creationId xmlns:a16="http://schemas.microsoft.com/office/drawing/2014/main" id="{B5E1E115-DF9F-E94F-A51D-4F1D6331218D}"/>
+              </a:ext>
+            </a:extLst>
+          </p:cNvPr>
+          <p:cNvSpPr>
+            <a:spLocks noGrp="1"/>
+          </p:cNvSpPr>
+          <p:nvPr>
+            <p:ph type="title"/>
+          </p:nvPr>
+        </p:nvSpPr>
+        <p:spPr/>
+        <p:txBody>
+          <a:bodyPr/>
+          <a:lstStyle/>
+          <a:p>
+            <a:r>
+              <a:rPr lang="en-US" dirty="0"/>
+              <a:t>Design Process</a:t>
+            </a:r>
+          </a:p>
+        </p:txBody>
+      </p:sp>
+      <p:sp>
+        <p:nvSpPr>
+          <p:cNvPr id="3" name="Content Placeholder 2">
+            <a:extLst>
+              <a:ext uri="{FF2B5EF4-FFF2-40B4-BE49-F238E27FC236}">
+                <a16:creationId xmlns:a16="http://schemas.microsoft.com/office/drawing/2014/main" id="{2C874C8D-F38A-D740-85AA-E834A987D48E}"/>
+              </a:ext>
+            </a:extLst>
+          </p:cNvPr>
+          <p:cNvSpPr>
+            <a:spLocks noGrp="1"/>
+          </p:cNvSpPr>
+          <p:nvPr>
+            <p:ph idx="1"/>
+          </p:nvPr>
+        </p:nvSpPr>
+        <p:spPr/>
+        <p:txBody>
+          <a:bodyPr/>
+          <a:lstStyle/>
+          <a:p>
+            <a:pPr marL="457200" indent="-457200">
+              <a:buFont typeface="+mj-lt"/>
+              <a:buAutoNum type="arabicPeriod"/>
+            </a:pPr>
+            <a:r>
+              <a:rPr lang="en-US" dirty="0"/>
+              <a:t>Define your problem</a:t>
+            </a:r>
+          </a:p>
+          <a:p>
+            <a:pPr marL="457200" indent="-457200">
+              <a:buFont typeface="+mj-lt"/>
+              <a:buAutoNum type="arabicPeriod"/>
+            </a:pPr>
+            <a:r>
+              <a:rPr lang="en-US" dirty="0"/>
+              <a:t>Collect information</a:t>
+            </a:r>
+          </a:p>
+          <a:p>
+            <a:pPr marL="457200" indent="-457200">
+              <a:buFont typeface="+mj-lt"/>
+              <a:buAutoNum type="arabicPeriod"/>
+            </a:pPr>
+            <a:r>
+              <a:rPr lang="en-US" dirty="0"/>
+              <a:t>Brainstorm and analyze</a:t>
+            </a:r>
+          </a:p>
+          <a:p>
+            <a:pPr marL="457200" indent="-457200">
+              <a:buFont typeface="+mj-lt"/>
+              <a:buAutoNum type="arabicPeriod"/>
+            </a:pPr>
+            <a:r>
+              <a:rPr lang="en-US" dirty="0"/>
+              <a:t>Develop solutions</a:t>
+            </a:r>
+          </a:p>
+          <a:p>
+            <a:pPr marL="457200" indent="-457200">
+              <a:buFont typeface="+mj-lt"/>
+              <a:buAutoNum type="arabicPeriod"/>
+            </a:pPr>
+            <a:r>
+              <a:rPr lang="en-US" dirty="0"/>
+              <a:t>Present your ideas to feedback</a:t>
+            </a:r>
+          </a:p>
+          <a:p>
+            <a:pPr marL="457200" indent="-457200">
+              <a:buFont typeface="+mj-lt"/>
+              <a:buAutoNum type="arabicPeriod"/>
+            </a:pPr>
+            <a:r>
+              <a:rPr lang="en-US" dirty="0"/>
+              <a:t>Improve your design</a:t>
+            </a:r>
+          </a:p>
+          <a:p>
+            <a:pPr marL="457200" indent="-457200">
+              <a:buFont typeface="+mj-lt"/>
+              <a:buAutoNum type="arabicPeriod"/>
+            </a:pPr>
+            <a:r>
+              <a:rPr lang="en-US" dirty="0"/>
+              <a:t>REPEAR</a:t>
+            </a:r>
+          </a:p>
+        </p:txBody>
+      </p:sp>
+      <p:sp>
+        <p:nvSpPr>
+          <p:cNvPr id="4" name="Footer Placeholder 3">
+            <a:extLst>
+              <a:ext uri="{FF2B5EF4-FFF2-40B4-BE49-F238E27FC236}">
+                <a16:creationId xmlns:a16="http://schemas.microsoft.com/office/drawing/2014/main" id="{9AA6091B-86D7-D44F-9061-00F61D56E50F}"/>
+              </a:ext>
+            </a:extLst>
+          </p:cNvPr>
+          <p:cNvSpPr>
+            <a:spLocks noGrp="1"/>
+          </p:cNvSpPr>
+          <p:nvPr>
+            <p:ph type="ftr" sz="quarter" idx="11"/>
+          </p:nvPr>
+        </p:nvSpPr>
+        <p:spPr/>
+        <p:txBody>
+          <a:bodyPr/>
+          <a:lstStyle/>
+          <a:p>
+            <a:r>
+              <a:rPr lang="en-US"/>
+              <a:t>Add a footer</a:t>
+            </a:r>
+            <a:endParaRPr lang="en-US" dirty="0"/>
+          </a:p>
+        </p:txBody>
+      </p:sp>
+    </p:spTree>
+    <p:extLst>
+      <p:ext uri="{BB962C8B-B14F-4D97-AF65-F5344CB8AC3E}">
+        <p14:creationId xmlns:p14="http://schemas.microsoft.com/office/powerpoint/2010/main" val="2886861768"/>
+      </p:ext>
+    </p:extLst>
+  </p:cSld>
+  <p:clrMapOvr>
+    <a:masterClrMapping/>
+  </p:clrMapOvr>
+  <mc:AlternateContent xmlns:mc="http://schemas.openxmlformats.org/markup-compatibility/2006" xmlns:p14="http://schemas.microsoft.com/office/powerpoint/2010/main">
+    <mc:Choice Requires="p14">
+      <p:transition spd="med" p14:dur="700">
+        <p:fade/>
+      </p:transition>
+    </mc:Choice>
+    <mc:Fallback xmlns="">
+      <p:transition spd="med">
+        <p:fade/>
+      </p:transition>
+    </mc:Fallback>
+  </mc:AlternateContent>
+</p:sld>
+</file>
+
+<file path=ppt/slides/slide6.xml><?xml version="1.0" encoding="utf-8"?>
+<p:sld xmlns:a="http://schemas.openxmlformats.org/drawingml/2006/main" xmlns:r="http://schemas.openxmlformats.org/officeDocument/2006/relationships" xmlns:p="http://schemas.openxmlformats.org/presentationml/2006/main">
+  <p:cSld>
+    <p:spTree>
+      <p:nvGrpSpPr>
+        <p:cNvPr id="1" name=""/>
+        <p:cNvGrpSpPr/>
+        <p:nvPr/>
+      </p:nvGrpSpPr>
+      <p:grpSpPr>
+        <a:xfrm>
+          <a:off x="0" y="0"/>
+          <a:ext cx="0" cy="0"/>
+          <a:chOff x="0" y="0"/>
+          <a:chExt cx="0" cy="0"/>
+        </a:xfrm>
+      </p:grpSpPr>
+      <p:sp>
+        <p:nvSpPr>
+          <p:cNvPr id="2" name="Title 1">
+            <a:extLst>
+              <a:ext uri="{FF2B5EF4-FFF2-40B4-BE49-F238E27FC236}">
+                <a16:creationId xmlns:a16="http://schemas.microsoft.com/office/drawing/2014/main" id="{7F7AE6A9-3A85-4B4C-903D-46A458F03D71}"/>
+              </a:ext>
+            </a:extLst>
+          </p:cNvPr>
+          <p:cNvSpPr>
+            <a:spLocks noGrp="1"/>
+          </p:cNvSpPr>
+          <p:nvPr>
+            <p:ph type="title"/>
+          </p:nvPr>
+        </p:nvSpPr>
+        <p:spPr/>
+        <p:txBody>
+          <a:bodyPr/>
+          <a:lstStyle/>
+          <a:p>
+            <a:r>
+              <a:rPr lang="en-US" dirty="0"/>
+              <a:t>Design brief</a:t>
+            </a:r>
+          </a:p>
+        </p:txBody>
+      </p:sp>
+      <p:sp>
+        <p:nvSpPr>
+          <p:cNvPr id="3" name="Content Placeholder 2">
+            <a:extLst>
+              <a:ext uri="{FF2B5EF4-FFF2-40B4-BE49-F238E27FC236}">
+                <a16:creationId xmlns:a16="http://schemas.microsoft.com/office/drawing/2014/main" id="{72198B1A-3393-6341-ACDD-68BE9C379BFE}"/>
+              </a:ext>
+            </a:extLst>
+          </p:cNvPr>
+          <p:cNvSpPr>
+            <a:spLocks noGrp="1"/>
+          </p:cNvSpPr>
+          <p:nvPr>
+            <p:ph idx="1"/>
+          </p:nvPr>
+        </p:nvSpPr>
+        <p:spPr/>
+        <p:txBody>
+          <a:bodyPr/>
+          <a:lstStyle/>
+          <a:p>
+            <a:r>
+              <a:rPr lang="en-US" dirty="0"/>
+              <a:t>Written statement answering all needed questions</a:t>
+            </a:r>
+          </a:p>
+          <a:p>
+            <a:r>
+              <a:rPr lang="en-US" dirty="0"/>
+              <a:t>Was due today at 9:26AM</a:t>
+            </a:r>
+          </a:p>
+          <a:p>
+            <a:r>
+              <a:rPr lang="en-US" dirty="0"/>
+              <a:t>Late submissions are -15 points</a:t>
+            </a:r>
+          </a:p>
+        </p:txBody>
+      </p:sp>
+      <p:sp>
+        <p:nvSpPr>
+          <p:cNvPr id="4" name="Footer Placeholder 3">
+            <a:extLst>
+              <a:ext uri="{FF2B5EF4-FFF2-40B4-BE49-F238E27FC236}">
+                <a16:creationId xmlns:a16="http://schemas.microsoft.com/office/drawing/2014/main" id="{9DD8796C-0275-4941-8BE6-94DF0563EEB4}"/>
+              </a:ext>
+            </a:extLst>
+          </p:cNvPr>
+          <p:cNvSpPr>
+            <a:spLocks noGrp="1"/>
+          </p:cNvSpPr>
+          <p:nvPr>
+            <p:ph type="ftr" sz="quarter" idx="11"/>
+          </p:nvPr>
+        </p:nvSpPr>
+        <p:spPr/>
+        <p:txBody>
+          <a:bodyPr/>
+          <a:lstStyle/>
+          <a:p>
+            <a:r>
+              <a:rPr lang="en-US"/>
+              <a:t>Add a footer</a:t>
+            </a:r>
+            <a:endParaRPr lang="en-US" dirty="0"/>
+          </a:p>
+        </p:txBody>
+      </p:sp>
+    </p:spTree>
+    <p:extLst>
+      <p:ext uri="{BB962C8B-B14F-4D97-AF65-F5344CB8AC3E}">
+        <p14:creationId xmlns:p14="http://schemas.microsoft.com/office/powerpoint/2010/main" val="3970975351"/>
+      </p:ext>
+    </p:extLst>
+  </p:cSld>
+  <p:clrMapOvr>
+    <a:masterClrMapping/>
+  </p:clrMapOvr>
+  <mc:AlternateContent xmlns:mc="http://schemas.openxmlformats.org/markup-compatibility/2006" xmlns:p14="http://schemas.microsoft.com/office/powerpoint/2010/main">
+    <mc:Choice Requires="p14">
+      <p:transition spd="med" p14:dur="700">
+        <p:fade/>
+      </p:transition>
+    </mc:Choice>
+    <mc:Fallback xmlns="">
+      <p:transition spd="med">
+        <p:fade/>
+      </p:transition>
+    </mc:Fallback>
+  </mc:AlternateContent>
+</p:sld>
+</file>
+
+<file path=ppt/slides/slide7.xml><?xml version="1.0" encoding="utf-8"?>
+<p:sld xmlns:a="http://schemas.openxmlformats.org/drawingml/2006/main" xmlns:r="http://schemas.openxmlformats.org/officeDocument/2006/relationships" xmlns:p="http://schemas.openxmlformats.org/presentationml/2006/main">
+  <p:cSld>
+    <p:spTree>
+      <p:nvGrpSpPr>
+        <p:cNvPr id="1" name=""/>
+        <p:cNvGrpSpPr/>
+        <p:nvPr/>
+      </p:nvGrpSpPr>
+      <p:grpSpPr>
+        <a:xfrm>
+          <a:off x="0" y="0"/>
+          <a:ext cx="0" cy="0"/>
+          <a:chOff x="0" y="0"/>
+          <a:chExt cx="0" cy="0"/>
+        </a:xfrm>
+      </p:grpSpPr>
+      <p:sp>
+        <p:nvSpPr>
+          <p:cNvPr id="2" name="Title 1">
+            <a:extLst>
+              <a:ext uri="{FF2B5EF4-FFF2-40B4-BE49-F238E27FC236}">
+                <a16:creationId xmlns:a16="http://schemas.microsoft.com/office/drawing/2014/main" id="{50EF0FAF-78C9-E04E-B527-B4D8C5879FDD}"/>
+              </a:ext>
+            </a:extLst>
+          </p:cNvPr>
+          <p:cNvSpPr>
+            <a:spLocks noGrp="1"/>
+          </p:cNvSpPr>
+          <p:nvPr>
+            <p:ph type="title"/>
+          </p:nvPr>
+        </p:nvSpPr>
+        <p:spPr/>
+        <p:txBody>
+          <a:bodyPr/>
+          <a:lstStyle/>
+          <a:p>
+            <a:r>
+              <a:rPr lang="en-US" dirty="0"/>
+              <a:t>First design submission</a:t>
+            </a:r>
+          </a:p>
+        </p:txBody>
+      </p:sp>
+      <p:sp>
+        <p:nvSpPr>
+          <p:cNvPr id="3" name="Content Placeholder 2">
+            <a:extLst>
+              <a:ext uri="{FF2B5EF4-FFF2-40B4-BE49-F238E27FC236}">
+                <a16:creationId xmlns:a16="http://schemas.microsoft.com/office/drawing/2014/main" id="{5665EC33-4D4C-D644-A5D7-5BBDF931E088}"/>
+              </a:ext>
+            </a:extLst>
+          </p:cNvPr>
+          <p:cNvSpPr>
+            <a:spLocks noGrp="1"/>
+          </p:cNvSpPr>
+          <p:nvPr>
+            <p:ph idx="1"/>
+          </p:nvPr>
+        </p:nvSpPr>
+        <p:spPr/>
+        <p:txBody>
+          <a:bodyPr/>
+          <a:lstStyle/>
+          <a:p>
+            <a:r>
+              <a:rPr lang="en-US" dirty="0"/>
+              <a:t>Due Friday at midnight</a:t>
+            </a:r>
+          </a:p>
+          <a:p>
+            <a:r>
+              <a:rPr lang="en-US" dirty="0"/>
+              <a:t>Include a small write-up explaining how you plan to organize your designs and solve the problem (small paragraph)</a:t>
+            </a:r>
+          </a:p>
+          <a:p>
+            <a:r>
+              <a:rPr lang="en-US" dirty="0"/>
+              <a:t>Include any digital file designs or prototypes you currently have</a:t>
+            </a:r>
+          </a:p>
+          <a:p>
+            <a:r>
+              <a:rPr lang="en-US" dirty="0"/>
+              <a:t>Include any photos of mechanical designs or sketches of ideas</a:t>
+            </a:r>
+          </a:p>
+        </p:txBody>
+      </p:sp>
+      <p:sp>
+        <p:nvSpPr>
+          <p:cNvPr id="4" name="Footer Placeholder 3">
+            <a:extLst>
+              <a:ext uri="{FF2B5EF4-FFF2-40B4-BE49-F238E27FC236}">
+                <a16:creationId xmlns:a16="http://schemas.microsoft.com/office/drawing/2014/main" id="{FD991B5A-A586-2544-B64F-DCAD538B3107}"/>
+              </a:ext>
+            </a:extLst>
+          </p:cNvPr>
+          <p:cNvSpPr>
+            <a:spLocks noGrp="1"/>
+          </p:cNvSpPr>
+          <p:nvPr>
+            <p:ph type="ftr" sz="quarter" idx="11"/>
+          </p:nvPr>
+        </p:nvSpPr>
+        <p:spPr/>
+        <p:txBody>
+          <a:bodyPr/>
+          <a:lstStyle/>
+          <a:p>
+            <a:r>
+              <a:rPr lang="en-US"/>
+              <a:t>Add a footer</a:t>
+            </a:r>
+            <a:endParaRPr lang="en-US" dirty="0"/>
+          </a:p>
+        </p:txBody>
+      </p:sp>
+    </p:spTree>
+    <p:extLst>
+      <p:ext uri="{BB962C8B-B14F-4D97-AF65-F5344CB8AC3E}">
+        <p14:creationId xmlns:p14="http://schemas.microsoft.com/office/powerpoint/2010/main" val="4086102928"/>
       </p:ext>
     </p:extLst>
   </p:cSld>

--- a/High School/Design and Drawing for Production/Unit 10 - Puzzle Cube Design Challenge/Section 1 - The Puzzle Cube Design Challenge/Assets/Unit10S1 - Puzzle Cube Design Challenge.pptx
+++ b/High School/Design and Drawing for Production/Unit 10 - Puzzle Cube Design Challenge/Section 1 - The Puzzle Cube Design Challenge/Assets/Unit10S1 - Puzzle Cube Design Challenge.pptx
@@ -5,10 +5,10 @@
     <p:sldMasterId id="2147483648" r:id="rId1"/>
   </p:sldMasterIdLst>
   <p:notesMasterIdLst>
-    <p:notesMasterId r:id="rId9"/>
+    <p:notesMasterId r:id="rId11"/>
   </p:notesMasterIdLst>
   <p:handoutMasterIdLst>
-    <p:handoutMasterId r:id="rId10"/>
+    <p:handoutMasterId r:id="rId12"/>
   </p:handoutMasterIdLst>
   <p:sldIdLst>
     <p:sldId id="268" r:id="rId2"/>
@@ -18,6 +18,8 @@
     <p:sldId id="273" r:id="rId6"/>
     <p:sldId id="274" r:id="rId7"/>
     <p:sldId id="275" r:id="rId8"/>
+    <p:sldId id="277" r:id="rId9"/>
+    <p:sldId id="276" r:id="rId10"/>
   </p:sldIdLst>
   <p:sldSz cx="12192000" cy="6858000"/>
   <p:notesSz cx="6858000" cy="9144000"/>
@@ -220,7 +222,7 @@
           <a:p>
             <a:fld id="{6AC4FB8F-ED15-48AB-97BD-17129D4E699D}" type="datetimeFigureOut">
               <a:rPr lang="en-US" smtClean="0"/>
-              <a:t>1/24/19</a:t>
+              <a:t>1/28/19</a:t>
             </a:fld>
             <a:endParaRPr lang="en-US" dirty="0"/>
           </a:p>
@@ -385,7 +387,7 @@
           <a:p>
             <a:fld id="{BBC9D437-CD83-4825-AD0D-5E7B341BC79B}" type="datetimeFigureOut">
               <a:rPr lang="en-US" smtClean="0"/>
-              <a:t>1/24/19</a:t>
+              <a:t>1/28/19</a:t>
             </a:fld>
             <a:endParaRPr lang="en-US" dirty="0"/>
           </a:p>
@@ -811,7 +813,7 @@
           <a:p>
             <a:fld id="{85AB7CBB-843F-464A-A764-71D6ADC27CFA}" type="datetime1">
               <a:rPr lang="en-US" smtClean="0"/>
-              <a:t>1/24/19</a:t>
+              <a:t>1/28/19</a:t>
             </a:fld>
             <a:endParaRPr lang="en-US" dirty="0"/>
           </a:p>
@@ -996,7 +998,7 @@
           <a:p>
             <a:fld id="{CBEFC03D-3A1F-4813-9337-02411FCC3A9A}" type="datetime1">
               <a:rPr lang="en-US" smtClean="0"/>
-              <a:t>1/24/19</a:t>
+              <a:t>1/28/19</a:t>
             </a:fld>
             <a:endParaRPr lang="en-US" dirty="0"/>
           </a:p>
@@ -1194,7 +1196,7 @@
           <a:p>
             <a:fld id="{3D638F79-DFA0-4C26-9553-23A017B69AB6}" type="datetime1">
               <a:rPr lang="en-US" smtClean="0"/>
-              <a:t>1/24/19</a:t>
+              <a:t>1/28/19</a:t>
             </a:fld>
             <a:endParaRPr lang="en-US" dirty="0"/>
           </a:p>
@@ -1388,7 +1390,7 @@
           <a:p>
             <a:fld id="{A70B34E7-E1D9-4FBF-A1A0-4009669A00BF}" type="datetime1">
               <a:rPr lang="en-US" smtClean="0"/>
-              <a:t>1/24/19</a:t>
+              <a:t>1/28/19</a:t>
             </a:fld>
             <a:endParaRPr lang="en-US" dirty="0"/>
           </a:p>
@@ -1877,7 +1879,7 @@
           <a:p>
             <a:fld id="{7579E8B6-2F47-420B-83EA-EB2285D13EC9}" type="datetime1">
               <a:rPr lang="en-US" smtClean="0"/>
-              <a:t>1/24/19</a:t>
+              <a:t>1/28/19</a:t>
             </a:fld>
             <a:endParaRPr lang="en-US" dirty="0"/>
           </a:p>
@@ -2315,7 +2317,7 @@
           <a:p>
             <a:fld id="{2304803D-B10E-4B90-8456-A0E05393E233}" type="datetime1">
               <a:rPr lang="en-US" smtClean="0"/>
-              <a:t>1/24/19</a:t>
+              <a:t>1/28/19</a:t>
             </a:fld>
             <a:endParaRPr lang="en-US" dirty="0"/>
           </a:p>
@@ -2448,7 +2450,7 @@
           <a:p>
             <a:fld id="{CCE1E62F-6CCE-4064-96C2-2084AF883904}" type="datetime1">
               <a:rPr lang="en-US" smtClean="0"/>
-              <a:t>1/24/19</a:t>
+              <a:t>1/28/19</a:t>
             </a:fld>
             <a:endParaRPr lang="en-US" dirty="0"/>
           </a:p>
@@ -2558,7 +2560,7 @@
           <a:p>
             <a:fld id="{AA615CA6-EC4D-4728-8AA6-534BE7E9B67C}" type="datetime1">
               <a:rPr lang="en-US" smtClean="0"/>
-              <a:t>1/24/19</a:t>
+              <a:t>1/28/19</a:t>
             </a:fld>
             <a:endParaRPr lang="en-US" dirty="0"/>
           </a:p>
@@ -2872,7 +2874,7 @@
           <a:p>
             <a:fld id="{A6139942-0A2E-443A-842F-D6DE74360370}" type="datetime1">
               <a:rPr lang="en-US" smtClean="0"/>
-              <a:t>1/24/19</a:t>
+              <a:t>1/28/19</a:t>
             </a:fld>
             <a:endParaRPr lang="en-US" dirty="0"/>
           </a:p>
@@ -3389,7 +3391,7 @@
           <a:p>
             <a:fld id="{3F138946-C5C1-4A11-BA69-F12F43F8A94B}" type="datetime1">
               <a:rPr lang="en-US" smtClean="0"/>
-              <a:t>1/24/19</a:t>
+              <a:t>1/28/19</a:t>
             </a:fld>
             <a:endParaRPr lang="en-US" dirty="0"/>
           </a:p>
@@ -4774,6 +4776,22 @@
               <a:t>Include any photos of mechanical designs or sketches of ideas</a:t>
             </a:r>
           </a:p>
+          <a:p>
+            <a:endParaRPr lang="en-US" dirty="0"/>
+          </a:p>
+          <a:p>
+            <a:pPr marL="0" indent="0" algn="ctr">
+              <a:buNone/>
+            </a:pPr>
+            <a:r>
+              <a:rPr lang="en-US" sz="4400" b="1" dirty="0">
+                <a:solidFill>
+                  <a:srgbClr val="FF0000"/>
+                </a:solidFill>
+              </a:rPr>
+              <a:t>LATE SUBMISSION -15 points per day</a:t>
+            </a:r>
+          </a:p>
         </p:txBody>
       </p:sp>
       <p:sp>
@@ -4809,6 +4827,376 @@
     <p:extLst>
       <p:ext uri="{BB962C8B-B14F-4D97-AF65-F5344CB8AC3E}">
         <p14:creationId xmlns:p14="http://schemas.microsoft.com/office/powerpoint/2010/main" val="4086102928"/>
+      </p:ext>
+    </p:extLst>
+  </p:cSld>
+  <p:clrMapOvr>
+    <a:masterClrMapping/>
+  </p:clrMapOvr>
+  <mc:AlternateContent xmlns:mc="http://schemas.openxmlformats.org/markup-compatibility/2006" xmlns:p14="http://schemas.microsoft.com/office/powerpoint/2010/main">
+    <mc:Choice Requires="p14">
+      <p:transition spd="med" p14:dur="700">
+        <p:fade/>
+      </p:transition>
+    </mc:Choice>
+    <mc:Fallback xmlns="">
+      <p:transition spd="med">
+        <p:fade/>
+      </p:transition>
+    </mc:Fallback>
+  </mc:AlternateContent>
+</p:sld>
+</file>
+
+<file path=ppt/slides/slide8.xml><?xml version="1.0" encoding="utf-8"?>
+<p:sld xmlns:a="http://schemas.openxmlformats.org/drawingml/2006/main" xmlns:r="http://schemas.openxmlformats.org/officeDocument/2006/relationships" xmlns:p="http://schemas.openxmlformats.org/presentationml/2006/main">
+  <p:cSld>
+    <p:spTree>
+      <p:nvGrpSpPr>
+        <p:cNvPr id="1" name=""/>
+        <p:cNvGrpSpPr/>
+        <p:nvPr/>
+      </p:nvGrpSpPr>
+      <p:grpSpPr>
+        <a:xfrm>
+          <a:off x="0" y="0"/>
+          <a:ext cx="0" cy="0"/>
+          <a:chOff x="0" y="0"/>
+          <a:chExt cx="0" cy="0"/>
+        </a:xfrm>
+      </p:grpSpPr>
+      <p:sp>
+        <p:nvSpPr>
+          <p:cNvPr id="2" name="Title 1">
+            <a:extLst>
+              <a:ext uri="{FF2B5EF4-FFF2-40B4-BE49-F238E27FC236}">
+                <a16:creationId xmlns:a16="http://schemas.microsoft.com/office/drawing/2014/main" id="{B5E1E115-DF9F-E94F-A51D-4F1D6331218D}"/>
+              </a:ext>
+            </a:extLst>
+          </p:cNvPr>
+          <p:cNvSpPr>
+            <a:spLocks noGrp="1"/>
+          </p:cNvSpPr>
+          <p:nvPr>
+            <p:ph type="title"/>
+          </p:nvPr>
+        </p:nvSpPr>
+        <p:spPr/>
+        <p:txBody>
+          <a:bodyPr/>
+          <a:lstStyle/>
+          <a:p>
+            <a:r>
+              <a:rPr lang="en-US" dirty="0"/>
+              <a:t>Design Process</a:t>
+            </a:r>
+          </a:p>
+        </p:txBody>
+      </p:sp>
+      <p:sp>
+        <p:nvSpPr>
+          <p:cNvPr id="3" name="Content Placeholder 2">
+            <a:extLst>
+              <a:ext uri="{FF2B5EF4-FFF2-40B4-BE49-F238E27FC236}">
+                <a16:creationId xmlns:a16="http://schemas.microsoft.com/office/drawing/2014/main" id="{2C874C8D-F38A-D740-85AA-E834A987D48E}"/>
+              </a:ext>
+            </a:extLst>
+          </p:cNvPr>
+          <p:cNvSpPr>
+            <a:spLocks noGrp="1"/>
+          </p:cNvSpPr>
+          <p:nvPr>
+            <p:ph idx="1"/>
+          </p:nvPr>
+        </p:nvSpPr>
+        <p:spPr/>
+        <p:txBody>
+          <a:bodyPr/>
+          <a:lstStyle/>
+          <a:p>
+            <a:pPr marL="457200" indent="-457200">
+              <a:buFont typeface="+mj-lt"/>
+              <a:buAutoNum type="arabicPeriod"/>
+            </a:pPr>
+            <a:r>
+              <a:rPr lang="en-US" dirty="0"/>
+              <a:t>Define your problem</a:t>
+            </a:r>
+          </a:p>
+          <a:p>
+            <a:pPr marL="457200" indent="-457200">
+              <a:buFont typeface="+mj-lt"/>
+              <a:buAutoNum type="arabicPeriod"/>
+            </a:pPr>
+            <a:r>
+              <a:rPr lang="en-US" dirty="0"/>
+              <a:t>Collect information</a:t>
+            </a:r>
+          </a:p>
+          <a:p>
+            <a:pPr marL="457200" indent="-457200">
+              <a:buFont typeface="+mj-lt"/>
+              <a:buAutoNum type="arabicPeriod"/>
+            </a:pPr>
+            <a:r>
+              <a:rPr lang="en-US" sz="5400" b="1" dirty="0"/>
+              <a:t>Brainstorm and analyze</a:t>
+            </a:r>
+          </a:p>
+          <a:p>
+            <a:pPr marL="457200" indent="-457200">
+              <a:buFont typeface="+mj-lt"/>
+              <a:buAutoNum type="arabicPeriod"/>
+            </a:pPr>
+            <a:r>
+              <a:rPr lang="en-US" dirty="0"/>
+              <a:t>Develop solutions</a:t>
+            </a:r>
+          </a:p>
+          <a:p>
+            <a:pPr marL="457200" indent="-457200">
+              <a:buFont typeface="+mj-lt"/>
+              <a:buAutoNum type="arabicPeriod"/>
+            </a:pPr>
+            <a:r>
+              <a:rPr lang="en-US" dirty="0"/>
+              <a:t>Present your ideas to feedback</a:t>
+            </a:r>
+          </a:p>
+          <a:p>
+            <a:pPr marL="457200" indent="-457200">
+              <a:buFont typeface="+mj-lt"/>
+              <a:buAutoNum type="arabicPeriod"/>
+            </a:pPr>
+            <a:r>
+              <a:rPr lang="en-US" dirty="0"/>
+              <a:t>Improve your design</a:t>
+            </a:r>
+          </a:p>
+          <a:p>
+            <a:pPr marL="457200" indent="-457200">
+              <a:buFont typeface="+mj-lt"/>
+              <a:buAutoNum type="arabicPeriod"/>
+            </a:pPr>
+            <a:r>
+              <a:rPr lang="en-US" dirty="0"/>
+              <a:t>REPEAR</a:t>
+            </a:r>
+          </a:p>
+        </p:txBody>
+      </p:sp>
+      <p:sp>
+        <p:nvSpPr>
+          <p:cNvPr id="4" name="Footer Placeholder 3">
+            <a:extLst>
+              <a:ext uri="{FF2B5EF4-FFF2-40B4-BE49-F238E27FC236}">
+                <a16:creationId xmlns:a16="http://schemas.microsoft.com/office/drawing/2014/main" id="{9AA6091B-86D7-D44F-9061-00F61D56E50F}"/>
+              </a:ext>
+            </a:extLst>
+          </p:cNvPr>
+          <p:cNvSpPr>
+            <a:spLocks noGrp="1"/>
+          </p:cNvSpPr>
+          <p:nvPr>
+            <p:ph type="ftr" sz="quarter" idx="11"/>
+          </p:nvPr>
+        </p:nvSpPr>
+        <p:spPr/>
+        <p:txBody>
+          <a:bodyPr/>
+          <a:lstStyle/>
+          <a:p>
+            <a:r>
+              <a:rPr lang="en-US"/>
+              <a:t>Add a footer</a:t>
+            </a:r>
+            <a:endParaRPr lang="en-US" dirty="0"/>
+          </a:p>
+        </p:txBody>
+      </p:sp>
+    </p:spTree>
+    <p:extLst>
+      <p:ext uri="{BB962C8B-B14F-4D97-AF65-F5344CB8AC3E}">
+        <p14:creationId xmlns:p14="http://schemas.microsoft.com/office/powerpoint/2010/main" val="642154154"/>
+      </p:ext>
+    </p:extLst>
+  </p:cSld>
+  <p:clrMapOvr>
+    <a:masterClrMapping/>
+  </p:clrMapOvr>
+  <mc:AlternateContent xmlns:mc="http://schemas.openxmlformats.org/markup-compatibility/2006" xmlns:p14="http://schemas.microsoft.com/office/powerpoint/2010/main">
+    <mc:Choice Requires="p14">
+      <p:transition spd="med" p14:dur="700">
+        <p:fade/>
+      </p:transition>
+    </mc:Choice>
+    <mc:Fallback xmlns="">
+      <p:transition spd="med">
+        <p:fade/>
+      </p:transition>
+    </mc:Fallback>
+  </mc:AlternateContent>
+</p:sld>
+</file>
+
+<file path=ppt/slides/slide9.xml><?xml version="1.0" encoding="utf-8"?>
+<p:sld xmlns:a="http://schemas.openxmlformats.org/drawingml/2006/main" xmlns:r="http://schemas.openxmlformats.org/officeDocument/2006/relationships" xmlns:p="http://schemas.openxmlformats.org/presentationml/2006/main">
+  <p:cSld>
+    <p:spTree>
+      <p:nvGrpSpPr>
+        <p:cNvPr id="1" name=""/>
+        <p:cNvGrpSpPr/>
+        <p:nvPr/>
+      </p:nvGrpSpPr>
+      <p:grpSpPr>
+        <a:xfrm>
+          <a:off x="0" y="0"/>
+          <a:ext cx="0" cy="0"/>
+          <a:chOff x="0" y="0"/>
+          <a:chExt cx="0" cy="0"/>
+        </a:xfrm>
+      </p:grpSpPr>
+      <p:sp>
+        <p:nvSpPr>
+          <p:cNvPr id="2" name="Title 1">
+            <a:extLst>
+              <a:ext uri="{FF2B5EF4-FFF2-40B4-BE49-F238E27FC236}">
+                <a16:creationId xmlns:a16="http://schemas.microsoft.com/office/drawing/2014/main" id="{BC77B557-A20B-B94F-9844-1BD3247D26F0}"/>
+              </a:ext>
+            </a:extLst>
+          </p:cNvPr>
+          <p:cNvSpPr>
+            <a:spLocks noGrp="1"/>
+          </p:cNvSpPr>
+          <p:nvPr>
+            <p:ph type="title"/>
+          </p:nvPr>
+        </p:nvSpPr>
+        <p:spPr/>
+        <p:txBody>
+          <a:bodyPr/>
+          <a:lstStyle/>
+          <a:p>
+            <a:r>
+              <a:rPr lang="en-US" dirty="0"/>
+              <a:t>20 Part ideation submission</a:t>
+            </a:r>
+          </a:p>
+        </p:txBody>
+      </p:sp>
+      <p:sp>
+        <p:nvSpPr>
+          <p:cNvPr id="3" name="Content Placeholder 2">
+            <a:extLst>
+              <a:ext uri="{FF2B5EF4-FFF2-40B4-BE49-F238E27FC236}">
+                <a16:creationId xmlns:a16="http://schemas.microsoft.com/office/drawing/2014/main" id="{FAF49E86-595D-0340-BDA9-D59F32CDF240}"/>
+              </a:ext>
+            </a:extLst>
+          </p:cNvPr>
+          <p:cNvSpPr>
+            <a:spLocks noGrp="1"/>
+          </p:cNvSpPr>
+          <p:nvPr>
+            <p:ph idx="1"/>
+          </p:nvPr>
+        </p:nvSpPr>
+        <p:spPr/>
+        <p:txBody>
+          <a:bodyPr>
+            <a:normAutofit fontScale="92500" lnSpcReduction="20000"/>
+          </a:bodyPr>
+          <a:lstStyle/>
+          <a:p>
+            <a:pPr marL="0" indent="0">
+              <a:buNone/>
+            </a:pPr>
+            <a:endParaRPr lang="en-US" dirty="0"/>
+          </a:p>
+          <a:p>
+            <a:r>
+              <a:rPr lang="en-US" dirty="0"/>
+              <a:t>3-6 cubes  per part / 27 cubes total</a:t>
+            </a:r>
+          </a:p>
+          <a:p>
+            <a:r>
+              <a:rPr lang="en-US" dirty="0"/>
+              <a:t>5 parts</a:t>
+            </a:r>
+          </a:p>
+          <a:p>
+            <a:r>
+              <a:rPr lang="en-US" dirty="0"/>
+              <a:t>No repeated shapes</a:t>
+            </a:r>
+          </a:p>
+          <a:p>
+            <a:r>
+              <a:rPr lang="en-US" dirty="0"/>
+              <a:t>The block needs to be a standard dimensions of 2.25" (L) x 2.25" (W) x 2.25" (H)</a:t>
+            </a:r>
+          </a:p>
+          <a:p>
+            <a:r>
+              <a:rPr lang="en-US" dirty="0"/>
+              <a:t>Each individual block needs to be a standard dimension of .75" (L) x .75" (W) x .75" (H)</a:t>
+            </a:r>
+          </a:p>
+          <a:p>
+            <a:r>
+              <a:rPr lang="en-US" dirty="0"/>
+              <a:t>Submit digital file to the classroom assignment from </a:t>
+            </a:r>
+            <a:r>
+              <a:rPr lang="en-US" dirty="0" err="1"/>
+              <a:t>TinkerCAD</a:t>
+            </a:r>
+            <a:r>
+              <a:rPr lang="en-US" dirty="0"/>
+              <a:t> or SketchUp</a:t>
+            </a:r>
+          </a:p>
+          <a:p>
+            <a:r>
+              <a:rPr lang="en-US" dirty="0"/>
+              <a:t>It can be a single file with all 20 parts or 20 individual files each with a single part</a:t>
+            </a:r>
+          </a:p>
+        </p:txBody>
+      </p:sp>
+      <p:sp>
+        <p:nvSpPr>
+          <p:cNvPr id="4" name="Footer Placeholder 3">
+            <a:extLst>
+              <a:ext uri="{FF2B5EF4-FFF2-40B4-BE49-F238E27FC236}">
+                <a16:creationId xmlns:a16="http://schemas.microsoft.com/office/drawing/2014/main" id="{73E0E9CB-0747-914E-999B-A622767872A9}"/>
+              </a:ext>
+            </a:extLst>
+          </p:cNvPr>
+          <p:cNvSpPr>
+            <a:spLocks noGrp="1"/>
+          </p:cNvSpPr>
+          <p:nvPr>
+            <p:ph type="ftr" sz="quarter" idx="11"/>
+          </p:nvPr>
+        </p:nvSpPr>
+        <p:spPr/>
+        <p:txBody>
+          <a:bodyPr/>
+          <a:lstStyle/>
+          <a:p>
+            <a:r>
+              <a:rPr lang="en-US"/>
+              <a:t>Add a footer</a:t>
+            </a:r>
+            <a:endParaRPr lang="en-US" dirty="0"/>
+          </a:p>
+        </p:txBody>
+      </p:sp>
+    </p:spTree>
+    <p:extLst>
+      <p:ext uri="{BB962C8B-B14F-4D97-AF65-F5344CB8AC3E}">
+        <p14:creationId xmlns:p14="http://schemas.microsoft.com/office/powerpoint/2010/main" val="2627435350"/>
       </p:ext>
     </p:extLst>
   </p:cSld>

--- a/High School/Design and Drawing for Production/Unit 10 - Puzzle Cube Design Challenge/Section 1 - The Puzzle Cube Design Challenge/Assets/Unit10S1 - Puzzle Cube Design Challenge.pptx
+++ b/High School/Design and Drawing for Production/Unit 10 - Puzzle Cube Design Challenge/Section 1 - The Puzzle Cube Design Challenge/Assets/Unit10S1 - Puzzle Cube Design Challenge.pptx
@@ -222,7 +222,7 @@
           <a:p>
             <a:fld id="{6AC4FB8F-ED15-48AB-97BD-17129D4E699D}" type="datetimeFigureOut">
               <a:rPr lang="en-US" smtClean="0"/>
-              <a:t>1/28/19</a:t>
+              <a:t>1/30/19</a:t>
             </a:fld>
             <a:endParaRPr lang="en-US" dirty="0"/>
           </a:p>
@@ -387,7 +387,7 @@
           <a:p>
             <a:fld id="{BBC9D437-CD83-4825-AD0D-5E7B341BC79B}" type="datetimeFigureOut">
               <a:rPr lang="en-US" smtClean="0"/>
-              <a:t>1/28/19</a:t>
+              <a:t>1/30/19</a:t>
             </a:fld>
             <a:endParaRPr lang="en-US" dirty="0"/>
           </a:p>
@@ -813,7 +813,7 @@
           <a:p>
             <a:fld id="{85AB7CBB-843F-464A-A764-71D6ADC27CFA}" type="datetime1">
               <a:rPr lang="en-US" smtClean="0"/>
-              <a:t>1/28/19</a:t>
+              <a:t>1/30/19</a:t>
             </a:fld>
             <a:endParaRPr lang="en-US" dirty="0"/>
           </a:p>
@@ -998,7 +998,7 @@
           <a:p>
             <a:fld id="{CBEFC03D-3A1F-4813-9337-02411FCC3A9A}" type="datetime1">
               <a:rPr lang="en-US" smtClean="0"/>
-              <a:t>1/28/19</a:t>
+              <a:t>1/30/19</a:t>
             </a:fld>
             <a:endParaRPr lang="en-US" dirty="0"/>
           </a:p>
@@ -1196,7 +1196,7 @@
           <a:p>
             <a:fld id="{3D638F79-DFA0-4C26-9553-23A017B69AB6}" type="datetime1">
               <a:rPr lang="en-US" smtClean="0"/>
-              <a:t>1/28/19</a:t>
+              <a:t>1/30/19</a:t>
             </a:fld>
             <a:endParaRPr lang="en-US" dirty="0"/>
           </a:p>
@@ -1390,7 +1390,7 @@
           <a:p>
             <a:fld id="{A70B34E7-E1D9-4FBF-A1A0-4009669A00BF}" type="datetime1">
               <a:rPr lang="en-US" smtClean="0"/>
-              <a:t>1/28/19</a:t>
+              <a:t>1/30/19</a:t>
             </a:fld>
             <a:endParaRPr lang="en-US" dirty="0"/>
           </a:p>
@@ -1879,7 +1879,7 @@
           <a:p>
             <a:fld id="{7579E8B6-2F47-420B-83EA-EB2285D13EC9}" type="datetime1">
               <a:rPr lang="en-US" smtClean="0"/>
-              <a:t>1/28/19</a:t>
+              <a:t>1/30/19</a:t>
             </a:fld>
             <a:endParaRPr lang="en-US" dirty="0"/>
           </a:p>
@@ -2317,7 +2317,7 @@
           <a:p>
             <a:fld id="{2304803D-B10E-4B90-8456-A0E05393E233}" type="datetime1">
               <a:rPr lang="en-US" smtClean="0"/>
-              <a:t>1/28/19</a:t>
+              <a:t>1/30/19</a:t>
             </a:fld>
             <a:endParaRPr lang="en-US" dirty="0"/>
           </a:p>
@@ -2450,7 +2450,7 @@
           <a:p>
             <a:fld id="{CCE1E62F-6CCE-4064-96C2-2084AF883904}" type="datetime1">
               <a:rPr lang="en-US" smtClean="0"/>
-              <a:t>1/28/19</a:t>
+              <a:t>1/30/19</a:t>
             </a:fld>
             <a:endParaRPr lang="en-US" dirty="0"/>
           </a:p>
@@ -2560,7 +2560,7 @@
           <a:p>
             <a:fld id="{AA615CA6-EC4D-4728-8AA6-534BE7E9B67C}" type="datetime1">
               <a:rPr lang="en-US" smtClean="0"/>
-              <a:t>1/28/19</a:t>
+              <a:t>1/30/19</a:t>
             </a:fld>
             <a:endParaRPr lang="en-US" dirty="0"/>
           </a:p>
@@ -2874,7 +2874,7 @@
           <a:p>
             <a:fld id="{A6139942-0A2E-443A-842F-D6DE74360370}" type="datetime1">
               <a:rPr lang="en-US" smtClean="0"/>
-              <a:t>1/28/19</a:t>
+              <a:t>1/30/19</a:t>
             </a:fld>
             <a:endParaRPr lang="en-US" dirty="0"/>
           </a:p>
@@ -3391,7 +3391,7 @@
           <a:p>
             <a:fld id="{3F138946-C5C1-4A11-BA69-F12F43F8A94B}" type="datetime1">
               <a:rPr lang="en-US" smtClean="0"/>
-              <a:t>1/28/19</a:t>
+              <a:t>1/30/19</a:t>
             </a:fld>
             <a:endParaRPr lang="en-US" dirty="0"/>
           </a:p>
@@ -5103,15 +5103,9 @@
         <p:spPr/>
         <p:txBody>
           <a:bodyPr>
-            <a:normAutofit fontScale="92500" lnSpcReduction="20000"/>
+            <a:normAutofit fontScale="92500" lnSpcReduction="10000"/>
           </a:bodyPr>
           <a:lstStyle/>
-          <a:p>
-            <a:pPr marL="0" indent="0">
-              <a:buNone/>
-            </a:pPr>
-            <a:endParaRPr lang="en-US" dirty="0"/>
-          </a:p>
           <a:p>
             <a:r>
               <a:rPr lang="en-US" dirty="0"/>
@@ -5120,13 +5114,13 @@
           </a:p>
           <a:p>
             <a:r>
-              <a:rPr lang="en-US" dirty="0"/>
+              <a:rPr lang="en-US" b="1" dirty="0"/>
               <a:t>5 parts</a:t>
             </a:r>
           </a:p>
           <a:p>
             <a:r>
-              <a:rPr lang="en-US" dirty="0"/>
+              <a:rPr lang="en-US" b="1" dirty="0"/>
               <a:t>No repeated shapes</a:t>
             </a:r>
           </a:p>
@@ -5148,13 +5142,18 @@
               <a:t>Submit digital file to the classroom assignment from </a:t>
             </a:r>
             <a:r>
-              <a:rPr lang="en-US" dirty="0" err="1"/>
+              <a:rPr lang="en-US" b="1" dirty="0" err="1"/>
               <a:t>TinkerCAD</a:t>
             </a:r>
             <a:r>
-              <a:rPr lang="en-US" dirty="0"/>
-              <a:t> or SketchUp</a:t>
-            </a:r>
+              <a:rPr lang="en-US" b="1" dirty="0"/>
+              <a:t> or SketchUp </a:t>
+            </a:r>
+            <a:r>
+              <a:rPr lang="en-US" b="1"/>
+              <a:t>or mechanical drawings</a:t>
+            </a:r>
+            <a:endParaRPr lang="en-US" b="1" dirty="0"/>
           </a:p>
           <a:p>
             <a:r>
